--- a/lm_0921.pptx
+++ b/lm_0921.pptx
@@ -241,7 +241,7 @@
           <a:p>
             <a:fld id="{68265C1B-055B-4A49-AE97-4C86D4DA142B}" type="datetimeFigureOut">
               <a:rPr lang="en-US" smtClean="0"/>
-              <a:t>9/20/18</a:t>
+              <a:t>9/21/18</a:t>
             </a:fld>
             <a:endParaRPr lang="en-US"/>
           </a:p>
@@ -598,6 +598,90 @@
 </p:notes>
 </file>
 
+<file path=ppt/notesSlides/notesSlide2.xml><?xml version="1.0" encoding="utf-8"?>
+<p:notes xmlns:a="http://schemas.openxmlformats.org/drawingml/2006/main" xmlns:r="http://schemas.openxmlformats.org/officeDocument/2006/relationships" xmlns:p="http://schemas.openxmlformats.org/presentationml/2006/main">
+  <p:cSld>
+    <p:spTree>
+      <p:nvGrpSpPr>
+        <p:cNvPr id="1" name=""/>
+        <p:cNvGrpSpPr/>
+        <p:nvPr/>
+      </p:nvGrpSpPr>
+      <p:grpSpPr>
+        <a:xfrm>
+          <a:off x="0" y="0"/>
+          <a:ext cx="0" cy="0"/>
+          <a:chOff x="0" y="0"/>
+          <a:chExt cx="0" cy="0"/>
+        </a:xfrm>
+      </p:grpSpPr>
+      <p:sp>
+        <p:nvSpPr>
+          <p:cNvPr id="2" name="Slide Image Placeholder 1"/>
+          <p:cNvSpPr>
+            <a:spLocks noGrp="1" noRot="1" noChangeAspect="1"/>
+          </p:cNvSpPr>
+          <p:nvPr>
+            <p:ph type="sldImg"/>
+          </p:nvPr>
+        </p:nvSpPr>
+        <p:spPr/>
+      </p:sp>
+      <p:sp>
+        <p:nvSpPr>
+          <p:cNvPr id="3" name="Notes Placeholder 2"/>
+          <p:cNvSpPr>
+            <a:spLocks noGrp="1"/>
+          </p:cNvSpPr>
+          <p:nvPr>
+            <p:ph type="body" idx="1"/>
+          </p:nvPr>
+        </p:nvSpPr>
+        <p:spPr/>
+        <p:txBody>
+          <a:bodyPr/>
+          <a:lstStyle/>
+          <a:p>
+            <a:endParaRPr lang="en-US" dirty="0"/>
+          </a:p>
+        </p:txBody>
+      </p:sp>
+      <p:sp>
+        <p:nvSpPr>
+          <p:cNvPr id="4" name="Slide Number Placeholder 3"/>
+          <p:cNvSpPr>
+            <a:spLocks noGrp="1"/>
+          </p:cNvSpPr>
+          <p:nvPr>
+            <p:ph type="sldNum" sz="quarter" idx="10"/>
+          </p:nvPr>
+        </p:nvSpPr>
+        <p:spPr/>
+        <p:txBody>
+          <a:bodyPr/>
+          <a:lstStyle/>
+          <a:p>
+            <a:fld id="{B38623E8-A64B-1942-A2E2-A23FA60B74AC}" type="slidenum">
+              <a:rPr lang="en-US" smtClean="0"/>
+              <a:t>30</a:t>
+            </a:fld>
+            <a:endParaRPr lang="en-US"/>
+          </a:p>
+        </p:txBody>
+      </p:sp>
+    </p:spTree>
+    <p:extLst>
+      <p:ext uri="{BB962C8B-B14F-4D97-AF65-F5344CB8AC3E}">
+        <p14:creationId xmlns:p14="http://schemas.microsoft.com/office/powerpoint/2010/main" val="885197168"/>
+      </p:ext>
+    </p:extLst>
+  </p:cSld>
+  <p:clrMapOvr>
+    <a:masterClrMapping/>
+  </p:clrMapOvr>
+</p:notes>
+</file>
+
 <file path=ppt/slideLayouts/slideLayout1.xml><?xml version="1.0" encoding="utf-8"?>
 <p:sldLayout xmlns:a="http://schemas.openxmlformats.org/drawingml/2006/main" xmlns:r="http://schemas.openxmlformats.org/officeDocument/2006/relationships" xmlns:p="http://schemas.openxmlformats.org/presentationml/2006/main" type="title" preserve="1">
   <p:cSld name="Title Slide">
@@ -727,7 +811,7 @@
           <a:p>
             <a:fld id="{A3AB679D-0E79-3349-9F9F-0060ED997CE8}" type="datetimeFigureOut">
               <a:rPr lang="en-US" smtClean="0"/>
-              <a:t>9/20/18</a:t>
+              <a:t>9/21/18</a:t>
             </a:fld>
             <a:endParaRPr lang="en-US"/>
           </a:p>
@@ -895,7 +979,7 @@
           <a:p>
             <a:fld id="{A3AB679D-0E79-3349-9F9F-0060ED997CE8}" type="datetimeFigureOut">
               <a:rPr lang="en-US" smtClean="0"/>
-              <a:t>9/20/18</a:t>
+              <a:t>9/21/18</a:t>
             </a:fld>
             <a:endParaRPr lang="en-US"/>
           </a:p>
@@ -1073,7 +1157,7 @@
           <a:p>
             <a:fld id="{A3AB679D-0E79-3349-9F9F-0060ED997CE8}" type="datetimeFigureOut">
               <a:rPr lang="en-US" smtClean="0"/>
-              <a:t>9/20/18</a:t>
+              <a:t>9/21/18</a:t>
             </a:fld>
             <a:endParaRPr lang="en-US"/>
           </a:p>
@@ -1241,7 +1325,7 @@
           <a:p>
             <a:fld id="{A3AB679D-0E79-3349-9F9F-0060ED997CE8}" type="datetimeFigureOut">
               <a:rPr lang="en-US" smtClean="0"/>
-              <a:t>9/20/18</a:t>
+              <a:t>9/21/18</a:t>
             </a:fld>
             <a:endParaRPr lang="en-US"/>
           </a:p>
@@ -1486,7 +1570,7 @@
           <a:p>
             <a:fld id="{A3AB679D-0E79-3349-9F9F-0060ED997CE8}" type="datetimeFigureOut">
               <a:rPr lang="en-US" smtClean="0"/>
-              <a:t>9/20/18</a:t>
+              <a:t>9/21/18</a:t>
             </a:fld>
             <a:endParaRPr lang="en-US"/>
           </a:p>
@@ -1715,7 +1799,7 @@
           <a:p>
             <a:fld id="{A3AB679D-0E79-3349-9F9F-0060ED997CE8}" type="datetimeFigureOut">
               <a:rPr lang="en-US" smtClean="0"/>
-              <a:t>9/20/18</a:t>
+              <a:t>9/21/18</a:t>
             </a:fld>
             <a:endParaRPr lang="en-US"/>
           </a:p>
@@ -2079,7 +2163,7 @@
           <a:p>
             <a:fld id="{A3AB679D-0E79-3349-9F9F-0060ED997CE8}" type="datetimeFigureOut">
               <a:rPr lang="en-US" smtClean="0"/>
-              <a:t>9/20/18</a:t>
+              <a:t>9/21/18</a:t>
             </a:fld>
             <a:endParaRPr lang="en-US"/>
           </a:p>
@@ -2196,7 +2280,7 @@
           <a:p>
             <a:fld id="{A3AB679D-0E79-3349-9F9F-0060ED997CE8}" type="datetimeFigureOut">
               <a:rPr lang="en-US" smtClean="0"/>
-              <a:t>9/20/18</a:t>
+              <a:t>9/21/18</a:t>
             </a:fld>
             <a:endParaRPr lang="en-US"/>
           </a:p>
@@ -2291,7 +2375,7 @@
           <a:p>
             <a:fld id="{A3AB679D-0E79-3349-9F9F-0060ED997CE8}" type="datetimeFigureOut">
               <a:rPr lang="en-US" smtClean="0"/>
-              <a:t>9/20/18</a:t>
+              <a:t>9/21/18</a:t>
             </a:fld>
             <a:endParaRPr lang="en-US"/>
           </a:p>
@@ -2566,7 +2650,7 @@
           <a:p>
             <a:fld id="{A3AB679D-0E79-3349-9F9F-0060ED997CE8}" type="datetimeFigureOut">
               <a:rPr lang="en-US" smtClean="0"/>
-              <a:t>9/20/18</a:t>
+              <a:t>9/21/18</a:t>
             </a:fld>
             <a:endParaRPr lang="en-US"/>
           </a:p>
@@ -2818,7 +2902,7 @@
           <a:p>
             <a:fld id="{A3AB679D-0E79-3349-9F9F-0060ED997CE8}" type="datetimeFigureOut">
               <a:rPr lang="en-US" smtClean="0"/>
-              <a:t>9/20/18</a:t>
+              <a:t>9/21/18</a:t>
             </a:fld>
             <a:endParaRPr lang="en-US"/>
           </a:p>
@@ -3029,7 +3113,7 @@
           <a:p>
             <a:fld id="{A3AB679D-0E79-3349-9F9F-0060ED997CE8}" type="datetimeFigureOut">
               <a:rPr lang="en-US" smtClean="0"/>
-              <a:t>9/20/18</a:t>
+              <a:t>9/21/18</a:t>
             </a:fld>
             <a:endParaRPr lang="en-US"/>
           </a:p>
@@ -3581,6 +3665,13 @@
   <p:clrMapOvr>
     <a:masterClrMapping/>
   </p:clrMapOvr>
+  <p:timing>
+    <p:tnLst>
+      <p:par>
+        <p:cTn id="1" dur="indefinite" restart="never" nodeType="tmRoot"/>
+      </p:par>
+    </p:tnLst>
+  </p:timing>
 </p:sld>
 </file>
 
@@ -15114,6 +15205,13 @@
   <p:clrMapOvr>
     <a:masterClrMapping/>
   </p:clrMapOvr>
+  <p:timing>
+    <p:tnLst>
+      <p:par>
+        <p:cTn id="1" dur="indefinite" restart="never" nodeType="tmRoot"/>
+      </p:par>
+    </p:tnLst>
+  </p:timing>
 </p:sld>
 </file>
 
@@ -15249,28 +15347,28 @@
                 <a:gridCol w="689685">
                   <a:extLst>
                     <a:ext uri="{9D8B030D-6E8A-4147-A177-3AD203B41FA5}">
-                      <a16:colId xmlns:a16="http://schemas.microsoft.com/office/drawing/2014/main" xmlns="" val="20000"/>
+                      <a16:colId xmlns="" xmlns:a16="http://schemas.microsoft.com/office/drawing/2014/main" val="20000"/>
                     </a:ext>
                   </a:extLst>
                 </a:gridCol>
                 <a:gridCol w="602428">
                   <a:extLst>
                     <a:ext uri="{9D8B030D-6E8A-4147-A177-3AD203B41FA5}">
-                      <a16:colId xmlns:a16="http://schemas.microsoft.com/office/drawing/2014/main" xmlns="" val="20001"/>
+                      <a16:colId xmlns="" xmlns:a16="http://schemas.microsoft.com/office/drawing/2014/main" val="20001"/>
                     </a:ext>
                   </a:extLst>
                 </a:gridCol>
                 <a:gridCol w="663090">
                   <a:extLst>
                     <a:ext uri="{9D8B030D-6E8A-4147-A177-3AD203B41FA5}">
-                      <a16:colId xmlns:a16="http://schemas.microsoft.com/office/drawing/2014/main" xmlns="" val="20002"/>
+                      <a16:colId xmlns="" xmlns:a16="http://schemas.microsoft.com/office/drawing/2014/main" val="20002"/>
                     </a:ext>
                   </a:extLst>
                 </a:gridCol>
                 <a:gridCol w="1208741">
                   <a:extLst>
                     <a:ext uri="{9D8B030D-6E8A-4147-A177-3AD203B41FA5}">
-                      <a16:colId xmlns:a16="http://schemas.microsoft.com/office/drawing/2014/main" xmlns="" val="20003"/>
+                      <a16:colId xmlns="" xmlns:a16="http://schemas.microsoft.com/office/drawing/2014/main" val="20003"/>
                     </a:ext>
                   </a:extLst>
                 </a:gridCol>
@@ -15384,7 +15482,7 @@
                 </a:tc>
                 <a:extLst>
                   <a:ext uri="{0D108BD9-81ED-4DB2-BD59-A6C34878D82A}">
-                    <a16:rowId xmlns:a16="http://schemas.microsoft.com/office/drawing/2014/main" xmlns="" val="10000"/>
+                    <a16:rowId xmlns="" xmlns:a16="http://schemas.microsoft.com/office/drawing/2014/main" val="10000"/>
                   </a:ext>
                 </a:extLst>
               </a:tr>
@@ -15443,7 +15541,7 @@
                 </a:tc>
                 <a:extLst>
                   <a:ext uri="{0D108BD9-81ED-4DB2-BD59-A6C34878D82A}">
-                    <a16:rowId xmlns:a16="http://schemas.microsoft.com/office/drawing/2014/main" xmlns="" val="10001"/>
+                    <a16:rowId xmlns="" xmlns:a16="http://schemas.microsoft.com/office/drawing/2014/main" val="10001"/>
                   </a:ext>
                 </a:extLst>
               </a:tr>
@@ -15502,7 +15600,7 @@
                 </a:tc>
                 <a:extLst>
                   <a:ext uri="{0D108BD9-81ED-4DB2-BD59-A6C34878D82A}">
-                    <a16:rowId xmlns:a16="http://schemas.microsoft.com/office/drawing/2014/main" xmlns="" val="10002"/>
+                    <a16:rowId xmlns="" xmlns:a16="http://schemas.microsoft.com/office/drawing/2014/main" val="10002"/>
                   </a:ext>
                 </a:extLst>
               </a:tr>
@@ -16269,49 +16367,49 @@
                 <a:gridCol w="768403">
                   <a:extLst>
                     <a:ext uri="{9D8B030D-6E8A-4147-A177-3AD203B41FA5}">
-                      <a16:colId xmlns:a16="http://schemas.microsoft.com/office/drawing/2014/main" xmlns="" val="20000"/>
+                      <a16:colId xmlns="" xmlns:a16="http://schemas.microsoft.com/office/drawing/2014/main" val="20000"/>
                     </a:ext>
                   </a:extLst>
                 </a:gridCol>
                 <a:gridCol w="768403">
                   <a:extLst>
                     <a:ext uri="{9D8B030D-6E8A-4147-A177-3AD203B41FA5}">
-                      <a16:colId xmlns:a16="http://schemas.microsoft.com/office/drawing/2014/main" xmlns="" val="20001"/>
+                      <a16:colId xmlns="" xmlns:a16="http://schemas.microsoft.com/office/drawing/2014/main" val="20001"/>
                     </a:ext>
                   </a:extLst>
                 </a:gridCol>
                 <a:gridCol w="768403">
                   <a:extLst>
                     <a:ext uri="{9D8B030D-6E8A-4147-A177-3AD203B41FA5}">
-                      <a16:colId xmlns:a16="http://schemas.microsoft.com/office/drawing/2014/main" xmlns="" val="20002"/>
+                      <a16:colId xmlns="" xmlns:a16="http://schemas.microsoft.com/office/drawing/2014/main" val="20002"/>
                     </a:ext>
                   </a:extLst>
                 </a:gridCol>
                 <a:gridCol w="768403">
                   <a:extLst>
                     <a:ext uri="{9D8B030D-6E8A-4147-A177-3AD203B41FA5}">
-                      <a16:colId xmlns:a16="http://schemas.microsoft.com/office/drawing/2014/main" xmlns="" val="20003"/>
+                      <a16:colId xmlns="" xmlns:a16="http://schemas.microsoft.com/office/drawing/2014/main" val="20003"/>
                     </a:ext>
                   </a:extLst>
                 </a:gridCol>
                 <a:gridCol w="768403">
                   <a:extLst>
                     <a:ext uri="{9D8B030D-6E8A-4147-A177-3AD203B41FA5}">
-                      <a16:colId xmlns:a16="http://schemas.microsoft.com/office/drawing/2014/main" xmlns="" val="20004"/>
+                      <a16:colId xmlns="" xmlns:a16="http://schemas.microsoft.com/office/drawing/2014/main" val="20004"/>
                     </a:ext>
                   </a:extLst>
                 </a:gridCol>
                 <a:gridCol w="837560">
                   <a:extLst>
                     <a:ext uri="{9D8B030D-6E8A-4147-A177-3AD203B41FA5}">
-                      <a16:colId xmlns:a16="http://schemas.microsoft.com/office/drawing/2014/main" xmlns="" val="20005"/>
+                      <a16:colId xmlns="" xmlns:a16="http://schemas.microsoft.com/office/drawing/2014/main" val="20005"/>
                     </a:ext>
                   </a:extLst>
                 </a:gridCol>
                 <a:gridCol w="699246">
                   <a:extLst>
                     <a:ext uri="{9D8B030D-6E8A-4147-A177-3AD203B41FA5}">
-                      <a16:colId xmlns:a16="http://schemas.microsoft.com/office/drawing/2014/main" xmlns="" val="20006"/>
+                      <a16:colId xmlns="" xmlns:a16="http://schemas.microsoft.com/office/drawing/2014/main" val="20006"/>
                     </a:ext>
                   </a:extLst>
                 </a:gridCol>
@@ -16479,7 +16577,7 @@
                 </a:tc>
                 <a:extLst>
                   <a:ext uri="{0D108BD9-81ED-4DB2-BD59-A6C34878D82A}">
-                    <a16:rowId xmlns:a16="http://schemas.microsoft.com/office/drawing/2014/main" xmlns="" val="10000"/>
+                    <a16:rowId xmlns="" xmlns:a16="http://schemas.microsoft.com/office/drawing/2014/main" val="10000"/>
                   </a:ext>
                 </a:extLst>
               </a:tr>
@@ -16577,7 +16675,7 @@
                 </a:tc>
                 <a:extLst>
                   <a:ext uri="{0D108BD9-81ED-4DB2-BD59-A6C34878D82A}">
-                    <a16:rowId xmlns:a16="http://schemas.microsoft.com/office/drawing/2014/main" xmlns="" val="10001"/>
+                    <a16:rowId xmlns="" xmlns:a16="http://schemas.microsoft.com/office/drawing/2014/main" val="10001"/>
                   </a:ext>
                 </a:extLst>
               </a:tr>
@@ -16675,7 +16773,7 @@
                 </a:tc>
                 <a:extLst>
                   <a:ext uri="{0D108BD9-81ED-4DB2-BD59-A6C34878D82A}">
-                    <a16:rowId xmlns:a16="http://schemas.microsoft.com/office/drawing/2014/main" xmlns="" val="10002"/>
+                    <a16:rowId xmlns="" xmlns:a16="http://schemas.microsoft.com/office/drawing/2014/main" val="10002"/>
                   </a:ext>
                 </a:extLst>
               </a:tr>
@@ -20351,8 +20449,8 @@
           </a:p>
         </p:txBody>
       </p:sp>
-      <mc:AlternateContent xmlns:mc="http://schemas.openxmlformats.org/markup-compatibility/2006">
-        <mc:Choice xmlns:a14="http://schemas.microsoft.com/office/drawing/2010/main" Requires="a14">
+      <mc:AlternateContent xmlns:mc="http://schemas.openxmlformats.org/markup-compatibility/2006" xmlns:a14="http://schemas.microsoft.com/office/drawing/2010/main">
+        <mc:Choice Requires="a14">
           <p:sp>
             <p:nvSpPr>
               <p:cNvPr id="3" name="Content Placeholder 2"/>
@@ -20752,7 +20850,7 @@
             </p:txBody>
           </p:sp>
         </mc:Choice>
-        <mc:Fallback>
+        <mc:Fallback xmlns="">
           <p:sp>
             <p:nvSpPr>
               <p:cNvPr id="3" name="Content Placeholder 2"/>
@@ -21178,8 +21276,8 @@
           </a:p>
         </p:txBody>
       </p:sp>
-      <mc:AlternateContent xmlns:mc="http://schemas.openxmlformats.org/markup-compatibility/2006">
-        <mc:Choice xmlns:a14="http://schemas.microsoft.com/office/drawing/2010/main" Requires="a14">
+      <mc:AlternateContent xmlns:mc="http://schemas.openxmlformats.org/markup-compatibility/2006" xmlns:a14="http://schemas.microsoft.com/office/drawing/2010/main">
+        <mc:Choice Requires="a14">
           <p:sp>
             <p:nvSpPr>
               <p:cNvPr id="3" name="Content Placeholder 2"/>
@@ -21385,13 +21483,7 @@
                           <a:rPr lang="en-US" b="0" i="1" smtClean="0">
                             <a:latin typeface="Cambria Math" charset="0"/>
                           </a:rPr>
-                          <m:t>|…</m:t>
-                        </m:r>
-                        <m:r>
-                          <a:rPr lang="en-US" b="0" i="1" smtClean="0">
-                            <a:latin typeface="Cambria Math" charset="0"/>
-                          </a:rPr>
-                          <m:t>))</m:t>
+                          <m:t>|…))</m:t>
                         </m:r>
                       </m:e>
                     </m:nary>
@@ -21506,13 +21598,7 @@
                               <a:rPr lang="en-US" b="0" i="1" smtClean="0">
                                 <a:latin typeface="Cambria Math" charset="0"/>
                               </a:rPr>
-                              <m:t>|…</m:t>
-                            </m:r>
-                            <m:r>
-                              <a:rPr lang="en-US" i="1">
-                                <a:latin typeface="Cambria Math" charset="0"/>
-                              </a:rPr>
-                              <m:t>))</m:t>
+                              <m:t>|…))</m:t>
                             </m:r>
                           </m:e>
                         </m:nary>
@@ -21745,7 +21831,7 @@
             </p:txBody>
           </p:sp>
         </mc:Choice>
-        <mc:Fallback>
+        <mc:Fallback xmlns="">
           <p:sp>
             <p:nvSpPr>
               <p:cNvPr id="3" name="Content Placeholder 2"/>
@@ -22285,8 +22371,53 @@
             </a:r>
             <a:r>
               <a:rPr lang="en-US" dirty="0"/>
-              <a:t> your training corpus so that P(train) = 1, then Perplexity on train is 0</a:t>
-            </a:r>
+              <a:t> your training corpus so that P(train) = 1, </a:t>
+            </a:r>
+            <a:r>
+              <a:rPr lang="en-US" dirty="0" smtClean="0"/>
+              <a:t>then</a:t>
+            </a:r>
+            <a:r>
+              <a:rPr lang="zh-CN" altLang="en-US" dirty="0" smtClean="0"/>
+              <a:t> </a:t>
+            </a:r>
+            <a:r>
+              <a:rPr lang="en-US" altLang="zh-CN" dirty="0" smtClean="0"/>
+              <a:t>the cross-entropy on</a:t>
+            </a:r>
+            <a:r>
+              <a:rPr lang="en-US" dirty="0" smtClean="0"/>
+              <a:t> </a:t>
+            </a:r>
+            <a:r>
+              <a:rPr lang="en-US" dirty="0"/>
+              <a:t>train </a:t>
+            </a:r>
+            <a:r>
+              <a:rPr lang="en-US"/>
+              <a:t>is </a:t>
+            </a:r>
+            <a:r>
+              <a:rPr lang="en-US" dirty="0"/>
+              <a:t>0</a:t>
+            </a:r>
+            <a:r>
+              <a:rPr lang="en-US" altLang="zh-CN" smtClean="0"/>
+              <a:t>, </a:t>
+            </a:r>
+            <a:r>
+              <a:rPr lang="en-US"/>
+              <a:t>Perplexity </a:t>
+            </a:r>
+            <a:r>
+              <a:rPr lang="en-US" smtClean="0"/>
+              <a:t>is 1</a:t>
+            </a:r>
+            <a:r>
+              <a:rPr lang="en-US" altLang="zh-CN" smtClean="0"/>
+              <a:t>.</a:t>
+            </a:r>
+            <a:endParaRPr lang="en-US" dirty="0"/>
           </a:p>
           <a:p>
             <a:r>
@@ -24440,11 +24571,7 @@
             </a:r>
             <a:r>
               <a:rPr lang="en-US" dirty="0"/>
-              <a:t>) = α</a:t>
-            </a:r>
-            <a:r>
-              <a:rPr lang="en-US" dirty="0"/>
-              <a:t>/(C(w</a:t>
+              <a:t>) = α/(C(w</a:t>
             </a:r>
             <a:r>
               <a:rPr lang="en-US" baseline="-25000" dirty="0"/>
